--- a/2024/NECSA_October_2024/01_Monday_October_7th/03_Neutron_optics/Guides_and_gravity.pptx
+++ b/2024/NECSA_October_2024/01_Monday_October_7th/03_Neutron_optics/Guides_and_gravity.pptx
@@ -8553,7 +8553,7 @@
           <a:p>
             <a:pPr/>
             <a:r>
-              <a:t>Mads Bertelsen</a:t>
+              <a:t>Peter Willendrup (slides from Mads Bertelsen)</a:t>
             </a:r>
           </a:p>
         </p:txBody>
@@ -16458,12 +16458,6 @@
             <a:pPr/>
             <a:r>
               <a:t>Breaking line of sight</a:t>
-            </a:r>
-          </a:p>
-          <a:p>
-            <a:pPr/>
-            <a:r>
-              <a:t>Examples from guide_bot</a:t>
             </a:r>
           </a:p>
           <a:p>
@@ -32450,9 +32444,9 @@
       </p:par>
     </p:tnLst>
     <p:bldLst>
+      <p:bldP build="whole" bldLvl="1" animBg="1" rev="0" advAuto="0" spid="869" grpId="3"/>
       <p:bldP build="whole" bldLvl="1" animBg="1" rev="0" advAuto="0" spid="863" grpId="1"/>
       <p:bldP build="whole" bldLvl="1" animBg="1" rev="0" advAuto="0" spid="864" grpId="2"/>
-      <p:bldP build="whole" bldLvl="1" animBg="1" rev="0" advAuto="0" spid="869" grpId="3"/>
     </p:bldLst>
   </p:timing>
 </p:sld>
@@ -38394,10 +38388,10 @@
     <p:bldLst>
       <p:bldP build="whole" bldLvl="1" animBg="1" rev="0" advAuto="0" spid="968" grpId="2"/>
       <p:bldP build="whole" bldLvl="1" animBg="1" rev="0" advAuto="0" spid="969" grpId="1"/>
+      <p:bldP build="whole" bldLvl="1" animBg="1" rev="0" advAuto="0" spid="970" grpId="3"/>
       <p:bldP build="whole" bldLvl="1" animBg="1" rev="0" advAuto="0" spid="966" grpId="4"/>
+      <p:bldP build="whole" bldLvl="1" animBg="1" rev="0" advAuto="0" spid="971" grpId="5"/>
       <p:bldP build="whole" bldLvl="1" animBg="1" rev="0" advAuto="0" spid="967" grpId="6"/>
-      <p:bldP build="whole" bldLvl="1" animBg="1" rev="0" advAuto="0" spid="971" grpId="5"/>
-      <p:bldP build="whole" bldLvl="1" animBg="1" rev="0" advAuto="0" spid="970" grpId="3"/>
     </p:bldLst>
   </p:timing>
 </p:sld>
